--- a/защита/Termin.pptx
+++ b/защита/Termin.pptx
@@ -7981,36 +7981,6 @@
           </a:p>
         </p:txBody>
       </p:sp>
-      <p:pic>
-        <p:nvPicPr>
-          <p:cNvPr id="3" name="Рисунок 2">
-            <a:extLst>
-              <a:ext uri="{FF2B5EF4-FFF2-40B4-BE49-F238E27FC236}">
-                <a16:creationId xmlns:a16="http://schemas.microsoft.com/office/drawing/2014/main" id="{842D6B88-56C8-7DAF-2096-1E2A00C4EEC4}"/>
-              </a:ext>
-            </a:extLst>
-          </p:cNvPr>
-          <p:cNvPicPr>
-            <a:picLocks noChangeAspect="1"/>
-          </p:cNvPicPr>
-          <p:nvPr/>
-        </p:nvPicPr>
-        <p:blipFill>
-          <a:blip r:embed="rId3"/>
-          <a:stretch>
-            <a:fillRect/>
-          </a:stretch>
-        </p:blipFill>
-        <p:spPr>
-          <a:xfrm>
-            <a:off x="361018" y="1071797"/>
-            <a:ext cx="5515126" cy="3808884"/>
-          </a:xfrm>
-          <a:prstGeom prst="rect">
-            <a:avLst/>
-          </a:prstGeom>
-        </p:spPr>
-      </p:pic>
       <p:sp>
         <p:nvSpPr>
           <p:cNvPr id="4" name="TextBox 3">
@@ -8162,58 +8132,6 @@
               <a:latin typeface="Inter" panose="020B0604020202020204" charset="0"/>
               <a:ea typeface="Inter" panose="020B0604020202020204" charset="0"/>
             </a:endParaRPr>
-          </a:p>
-        </p:txBody>
-      </p:sp>
-      <p:sp>
-        <p:nvSpPr>
-          <p:cNvPr id="5" name="Прямоугольник 4">
-            <a:extLst>
-              <a:ext uri="{FF2B5EF4-FFF2-40B4-BE49-F238E27FC236}">
-                <a16:creationId xmlns:a16="http://schemas.microsoft.com/office/drawing/2014/main" id="{E1FCA79A-E838-7A82-48BA-DC42055E5869}"/>
-              </a:ext>
-            </a:extLst>
-          </p:cNvPr>
-          <p:cNvSpPr/>
-          <p:nvPr/>
-        </p:nvSpPr>
-        <p:spPr>
-          <a:xfrm>
-            <a:off x="361018" y="1266669"/>
-            <a:ext cx="3926169" cy="3614012"/>
-          </a:xfrm>
-          <a:prstGeom prst="rect">
-            <a:avLst/>
-          </a:prstGeom>
-          <a:noFill/>
-          <a:ln w="76200">
-            <a:solidFill>
-              <a:srgbClr val="666666"/>
-            </a:solidFill>
-          </a:ln>
-        </p:spPr>
-        <p:style>
-          <a:lnRef idx="2">
-            <a:schemeClr val="accent1">
-              <a:shade val="15000"/>
-            </a:schemeClr>
-          </a:lnRef>
-          <a:fillRef idx="1">
-            <a:schemeClr val="accent1"/>
-          </a:fillRef>
-          <a:effectRef idx="0">
-            <a:schemeClr val="accent1"/>
-          </a:effectRef>
-          <a:fontRef idx="minor">
-            <a:schemeClr val="lt1"/>
-          </a:fontRef>
-        </p:style>
-        <p:txBody>
-          <a:bodyPr rtlCol="0" anchor="ctr"/>
-          <a:lstStyle/>
-          <a:p>
-            <a:pPr algn="ctr"/>
-            <a:endParaRPr lang="ru-RU"/>
           </a:p>
         </p:txBody>
       </p:sp>
@@ -8271,6 +8189,88 @@
                 <a:srgbClr val="5D9978"/>
               </a:solidFill>
             </a:endParaRPr>
+          </a:p>
+        </p:txBody>
+      </p:sp>
+      <p:pic>
+        <p:nvPicPr>
+          <p:cNvPr id="9" name="Рисунок 8">
+            <a:extLst>
+              <a:ext uri="{FF2B5EF4-FFF2-40B4-BE49-F238E27FC236}">
+                <a16:creationId xmlns:a16="http://schemas.microsoft.com/office/drawing/2014/main" id="{EE844F12-C473-FEA0-51CD-C9C144369549}"/>
+              </a:ext>
+            </a:extLst>
+          </p:cNvPr>
+          <p:cNvPicPr>
+            <a:picLocks noChangeAspect="1"/>
+          </p:cNvPicPr>
+          <p:nvPr/>
+        </p:nvPicPr>
+        <p:blipFill>
+          <a:blip r:embed="rId3"/>
+          <a:stretch>
+            <a:fillRect/>
+          </a:stretch>
+        </p:blipFill>
+        <p:spPr>
+          <a:xfrm>
+            <a:off x="147635" y="965405"/>
+            <a:ext cx="5395475" cy="4147771"/>
+          </a:xfrm>
+          <a:prstGeom prst="rect">
+            <a:avLst/>
+          </a:prstGeom>
+        </p:spPr>
+      </p:pic>
+      <p:sp>
+        <p:nvSpPr>
+          <p:cNvPr id="5" name="Прямоугольник 4">
+            <a:extLst>
+              <a:ext uri="{FF2B5EF4-FFF2-40B4-BE49-F238E27FC236}">
+                <a16:creationId xmlns:a16="http://schemas.microsoft.com/office/drawing/2014/main" id="{E1FCA79A-E838-7A82-48BA-DC42055E5869}"/>
+              </a:ext>
+            </a:extLst>
+          </p:cNvPr>
+          <p:cNvSpPr/>
+          <p:nvPr/>
+        </p:nvSpPr>
+        <p:spPr>
+          <a:xfrm>
+            <a:off x="147635" y="1177696"/>
+            <a:ext cx="3712332" cy="3814029"/>
+          </a:xfrm>
+          <a:prstGeom prst="rect">
+            <a:avLst/>
+          </a:prstGeom>
+          <a:noFill/>
+          <a:ln w="76200">
+            <a:solidFill>
+              <a:srgbClr val="666666"/>
+            </a:solidFill>
+          </a:ln>
+        </p:spPr>
+        <p:style>
+          <a:lnRef idx="2">
+            <a:schemeClr val="accent1">
+              <a:shade val="15000"/>
+            </a:schemeClr>
+          </a:lnRef>
+          <a:fillRef idx="1">
+            <a:schemeClr val="accent1"/>
+          </a:fillRef>
+          <a:effectRef idx="0">
+            <a:schemeClr val="accent1"/>
+          </a:effectRef>
+          <a:fontRef idx="minor">
+            <a:schemeClr val="lt1"/>
+          </a:fontRef>
+        </p:style>
+        <p:txBody>
+          <a:bodyPr rtlCol="0" anchor="ctr"/>
+          <a:lstStyle/>
+          <a:p>
+            <a:pPr algn="ctr"/>
+            <a:endParaRPr lang="ru-RU"/>
           </a:p>
         </p:txBody>
       </p:sp>
@@ -8621,36 +8621,6 @@
           </a:p>
         </p:txBody>
       </p:sp>
-      <p:pic>
-        <p:nvPicPr>
-          <p:cNvPr id="7" name="Рисунок 6">
-            <a:extLst>
-              <a:ext uri="{FF2B5EF4-FFF2-40B4-BE49-F238E27FC236}">
-                <a16:creationId xmlns:a16="http://schemas.microsoft.com/office/drawing/2014/main" id="{D1494589-EAE5-0F96-30B3-DD399EAB8EDA}"/>
-              </a:ext>
-            </a:extLst>
-          </p:cNvPr>
-          <p:cNvPicPr>
-            <a:picLocks noChangeAspect="1"/>
-          </p:cNvPicPr>
-          <p:nvPr/>
-        </p:nvPicPr>
-        <p:blipFill>
-          <a:blip r:embed="rId3"/>
-          <a:stretch>
-            <a:fillRect/>
-          </a:stretch>
-        </p:blipFill>
-        <p:spPr>
-          <a:xfrm>
-            <a:off x="247960" y="981856"/>
-            <a:ext cx="5581987" cy="3889947"/>
-          </a:xfrm>
-          <a:prstGeom prst="rect">
-            <a:avLst/>
-          </a:prstGeom>
-        </p:spPr>
-      </p:pic>
       <p:sp>
         <p:nvSpPr>
           <p:cNvPr id="9" name="Стрелка: вправо 8">
@@ -8721,7 +8691,7 @@
           <p:nvPr/>
         </p:nvPicPr>
         <p:blipFill>
-          <a:blip r:embed="rId4"/>
+          <a:blip r:embed="rId3"/>
           <a:stretch>
             <a:fillRect/>
           </a:stretch>
@@ -8730,6 +8700,36 @@
           <a:xfrm>
             <a:off x="7379399" y="3809086"/>
             <a:ext cx="1516641" cy="1065019"/>
+          </a:xfrm>
+          <a:prstGeom prst="rect">
+            <a:avLst/>
+          </a:prstGeom>
+        </p:spPr>
+      </p:pic>
+      <p:pic>
+        <p:nvPicPr>
+          <p:cNvPr id="13" name="Рисунок 12">
+            <a:extLst>
+              <a:ext uri="{FF2B5EF4-FFF2-40B4-BE49-F238E27FC236}">
+                <a16:creationId xmlns:a16="http://schemas.microsoft.com/office/drawing/2014/main" id="{41BD6A3E-7F46-55FF-682E-1EC1C5E152C5}"/>
+              </a:ext>
+            </a:extLst>
+          </p:cNvPr>
+          <p:cNvPicPr>
+            <a:picLocks noChangeAspect="1"/>
+          </p:cNvPicPr>
+          <p:nvPr/>
+        </p:nvPicPr>
+        <p:blipFill>
+          <a:blip r:embed="rId4"/>
+          <a:stretch>
+            <a:fillRect/>
+          </a:stretch>
+        </p:blipFill>
+        <p:spPr>
+          <a:xfrm>
+            <a:off x="93457" y="1017712"/>
+            <a:ext cx="5800450" cy="3856393"/>
           </a:xfrm>
           <a:prstGeom prst="rect">
             <a:avLst/>
@@ -9088,10 +9088,10 @@
       </p:sp>
       <p:pic>
         <p:nvPicPr>
-          <p:cNvPr id="6" name="Рисунок 5">
+          <p:cNvPr id="10" name="Рисунок 9">
             <a:extLst>
               <a:ext uri="{FF2B5EF4-FFF2-40B4-BE49-F238E27FC236}">
-                <a16:creationId xmlns:a16="http://schemas.microsoft.com/office/drawing/2014/main" id="{710E846B-A1CF-3343-F535-C35842754263}"/>
+                <a16:creationId xmlns:a16="http://schemas.microsoft.com/office/drawing/2014/main" id="{2D378683-1A0D-0B0F-5729-206A2974726D}"/>
               </a:ext>
             </a:extLst>
           </p:cNvPr>
@@ -9108,8 +9108,8 @@
         </p:blipFill>
         <p:spPr>
           <a:xfrm>
-            <a:off x="342507" y="1195054"/>
-            <a:ext cx="4884766" cy="3881990"/>
+            <a:off x="-50" y="1183062"/>
+            <a:ext cx="5493250" cy="4042688"/>
           </a:xfrm>
           <a:prstGeom prst="rect">
             <a:avLst/>
@@ -9130,8 +9130,8 @@
         </p:nvSpPr>
         <p:spPr>
           <a:xfrm>
-            <a:off x="3365988" y="1263239"/>
-            <a:ext cx="1865958" cy="3745619"/>
+            <a:off x="3271646" y="1340644"/>
+            <a:ext cx="2221554" cy="3745619"/>
           </a:xfrm>
           <a:prstGeom prst="rect">
             <a:avLst/>
